--- a/Documentation/Presentation/Measurements-in-AWS-VM2VM.pptx
+++ b/Documentation/Presentation/Measurements-in-AWS-VM2VM.pptx
@@ -3090,11 +3090,7 @@
           <a:p>
             <a:r>
               <a:rPr lang="en-US" dirty="0" smtClean="0"/>
-              <a:t>Measurements in AWS </a:t>
-            </a:r>
-            <a:r>
-              <a:rPr lang="en-US" dirty="0" smtClean="0"/>
-              <a:t>VM2VM</a:t>
+              <a:t>Measurements in AWS VM2VM</a:t>
             </a:r>
             <a:br>
               <a:rPr lang="en-US" dirty="0" smtClean="0"/>
@@ -3524,7 +3520,7 @@
       </p:sp>
       <p:pic>
         <p:nvPicPr>
-          <p:cNvPr id="9219" name="Picture 3"/>
+          <p:cNvPr id="9220" name="Picture 4"/>
           <p:cNvPicPr>
             <a:picLocks noChangeAspect="1" noChangeArrowheads="1"/>
           </p:cNvPicPr>
@@ -3539,8 +3535,8 @@
         </p:blipFill>
         <p:spPr bwMode="auto">
           <a:xfrm>
-            <a:off x="683568" y="2564904"/>
-            <a:ext cx="8191500" cy="3086100"/>
+            <a:off x="755576" y="6381328"/>
+            <a:ext cx="2228850" cy="323850"/>
           </a:xfrm>
           <a:prstGeom prst="rect">
             <a:avLst/>
@@ -3556,7 +3552,7 @@
       </p:pic>
       <p:pic>
         <p:nvPicPr>
-          <p:cNvPr id="9220" name="Picture 4"/>
+          <p:cNvPr id="1026" name="Picture 2"/>
           <p:cNvPicPr>
             <a:picLocks noChangeAspect="1" noChangeArrowheads="1"/>
           </p:cNvPicPr>
@@ -3571,8 +3567,8 @@
         </p:blipFill>
         <p:spPr bwMode="auto">
           <a:xfrm>
-            <a:off x="755576" y="6381328"/>
-            <a:ext cx="2228850" cy="323850"/>
+            <a:off x="395536" y="2780928"/>
+            <a:ext cx="8316416" cy="2221155"/>
           </a:xfrm>
           <a:prstGeom prst="rect">
             <a:avLst/>

--- a/Documentation/Presentation/Measurements-in-AWS-VM2VM.pptx
+++ b/Documentation/Presentation/Measurements-in-AWS-VM2VM.pptx
@@ -303,7 +303,7 @@
             <a:fld id="{E0FEA7CC-D60A-450B-A08B-799DFF317911}" type="datetimeFigureOut">
               <a:rPr lang="de-AT" smtClean="0"/>
               <a:pPr/>
-              <a:t>08.07.2018</a:t>
+              <a:t>09.07.2018</a:t>
             </a:fld>
             <a:endParaRPr lang="de-AT"/>
           </a:p>
@@ -470,7 +470,7 @@
             <a:fld id="{E0FEA7CC-D60A-450B-A08B-799DFF317911}" type="datetimeFigureOut">
               <a:rPr lang="de-AT" smtClean="0"/>
               <a:pPr/>
-              <a:t>08.07.2018</a:t>
+              <a:t>09.07.2018</a:t>
             </a:fld>
             <a:endParaRPr lang="de-AT"/>
           </a:p>
@@ -647,7 +647,7 @@
             <a:fld id="{E0FEA7CC-D60A-450B-A08B-799DFF317911}" type="datetimeFigureOut">
               <a:rPr lang="de-AT" smtClean="0"/>
               <a:pPr/>
-              <a:t>08.07.2018</a:t>
+              <a:t>09.07.2018</a:t>
             </a:fld>
             <a:endParaRPr lang="de-AT"/>
           </a:p>
@@ -814,7 +814,7 @@
             <a:fld id="{E0FEA7CC-D60A-450B-A08B-799DFF317911}" type="datetimeFigureOut">
               <a:rPr lang="de-AT" smtClean="0"/>
               <a:pPr/>
-              <a:t>08.07.2018</a:t>
+              <a:t>09.07.2018</a:t>
             </a:fld>
             <a:endParaRPr lang="de-AT"/>
           </a:p>
@@ -1057,7 +1057,7 @@
             <a:fld id="{E0FEA7CC-D60A-450B-A08B-799DFF317911}" type="datetimeFigureOut">
               <a:rPr lang="de-AT" smtClean="0"/>
               <a:pPr/>
-              <a:t>08.07.2018</a:t>
+              <a:t>09.07.2018</a:t>
             </a:fld>
             <a:endParaRPr lang="de-AT"/>
           </a:p>
@@ -1342,7 +1342,7 @@
             <a:fld id="{E0FEA7CC-D60A-450B-A08B-799DFF317911}" type="datetimeFigureOut">
               <a:rPr lang="de-AT" smtClean="0"/>
               <a:pPr/>
-              <a:t>08.07.2018</a:t>
+              <a:t>09.07.2018</a:t>
             </a:fld>
             <a:endParaRPr lang="de-AT"/>
           </a:p>
@@ -1761,7 +1761,7 @@
             <a:fld id="{E0FEA7CC-D60A-450B-A08B-799DFF317911}" type="datetimeFigureOut">
               <a:rPr lang="de-AT" smtClean="0"/>
               <a:pPr/>
-              <a:t>08.07.2018</a:t>
+              <a:t>09.07.2018</a:t>
             </a:fld>
             <a:endParaRPr lang="de-AT"/>
           </a:p>
@@ -1876,7 +1876,7 @@
             <a:fld id="{E0FEA7CC-D60A-450B-A08B-799DFF317911}" type="datetimeFigureOut">
               <a:rPr lang="de-AT" smtClean="0"/>
               <a:pPr/>
-              <a:t>08.07.2018</a:t>
+              <a:t>09.07.2018</a:t>
             </a:fld>
             <a:endParaRPr lang="de-AT"/>
           </a:p>
@@ -1968,7 +1968,7 @@
             <a:fld id="{E0FEA7CC-D60A-450B-A08B-799DFF317911}" type="datetimeFigureOut">
               <a:rPr lang="de-AT" smtClean="0"/>
               <a:pPr/>
-              <a:t>08.07.2018</a:t>
+              <a:t>09.07.2018</a:t>
             </a:fld>
             <a:endParaRPr lang="de-AT"/>
           </a:p>
@@ -2242,7 +2242,7 @@
             <a:fld id="{E0FEA7CC-D60A-450B-A08B-799DFF317911}" type="datetimeFigureOut">
               <a:rPr lang="de-AT" smtClean="0"/>
               <a:pPr/>
-              <a:t>08.07.2018</a:t>
+              <a:t>09.07.2018</a:t>
             </a:fld>
             <a:endParaRPr lang="de-AT"/>
           </a:p>
@@ -2492,7 +2492,7 @@
             <a:fld id="{E0FEA7CC-D60A-450B-A08B-799DFF317911}" type="datetimeFigureOut">
               <a:rPr lang="de-AT" smtClean="0"/>
               <a:pPr/>
-              <a:t>08.07.2018</a:t>
+              <a:t>09.07.2018</a:t>
             </a:fld>
             <a:endParaRPr lang="de-AT"/>
           </a:p>
@@ -2702,7 +2702,7 @@
             <a:fld id="{E0FEA7CC-D60A-450B-A08B-799DFF317911}" type="datetimeFigureOut">
               <a:rPr lang="de-AT" smtClean="0"/>
               <a:pPr/>
-              <a:t>08.07.2018</a:t>
+              <a:t>09.07.2018</a:t>
             </a:fld>
             <a:endParaRPr lang="de-AT"/>
           </a:p>
@@ -3733,7 +3733,14 @@
                 <a:latin typeface="Consolas" pitchFamily="49" charset="0"/>
                 <a:cs typeface="Consolas" pitchFamily="49" charset="0"/>
               </a:rPr>
-              <a:t>7. cost-peformance.jar</a:t>
+              <a:t>7. </a:t>
+            </a:r>
+            <a:r>
+              <a:rPr lang="de-AT" dirty="0" smtClean="0">
+                <a:latin typeface="Consolas" pitchFamily="49" charset="0"/>
+                <a:cs typeface="Consolas" pitchFamily="49" charset="0"/>
+              </a:rPr>
+              <a:t>cost-performance.jar</a:t>
             </a:r>
             <a:endParaRPr lang="de-AT" dirty="0">
               <a:latin typeface="Consolas" pitchFamily="49" charset="0"/>
@@ -3937,7 +3944,7 @@
                 <a:latin typeface="Consolas" pitchFamily="49" charset="0"/>
                 <a:cs typeface="Consolas" pitchFamily="49" charset="0"/>
               </a:rPr>
-              <a:t>cost-peformance.jar</a:t>
+              <a:t>cost-performance.jar</a:t>
             </a:r>
             <a:endParaRPr lang="de-AT" dirty="0"/>
           </a:p>
@@ -4141,12 +4148,8 @@
           <a:lstStyle/>
           <a:p>
             <a:r>
-              <a:rPr lang="de-AT" dirty="0" smtClean="0"/>
-              <a:t>1. </a:t>
-            </a:r>
-            <a:r>
               <a:rPr lang="en-US" dirty="0" smtClean="0"/>
-              <a:t>Generate folders for every instance-type and its regions</a:t>
+              <a:t>1. Generate folders for every instance-type and its regions</a:t>
             </a:r>
             <a:endParaRPr lang="de-AT" dirty="0"/>
           </a:p>
